--- a/figures/suppfig1_tiprates/suppfig1_tiprates.pptx
+++ b/figures/suppfig1_tiprates/suppfig1_tiprates.pptx
@@ -259,7 +259,7 @@
           <a:p>
             <a:fld id="{63E089F7-0D66-8D4E-BF21-C7B1994E88E0}" type="datetimeFigureOut">
               <a:rPr lang="en-US" smtClean="0"/>
-              <a:t>10/25/23</a:t>
+              <a:t>12/18/23</a:t>
             </a:fld>
             <a:endParaRPr lang="en-US"/>
           </a:p>
@@ -457,7 +457,7 @@
           <a:p>
             <a:fld id="{63E089F7-0D66-8D4E-BF21-C7B1994E88E0}" type="datetimeFigureOut">
               <a:rPr lang="en-US" smtClean="0"/>
-              <a:t>10/25/23</a:t>
+              <a:t>12/18/23</a:t>
             </a:fld>
             <a:endParaRPr lang="en-US"/>
           </a:p>
@@ -665,7 +665,7 @@
           <a:p>
             <a:fld id="{63E089F7-0D66-8D4E-BF21-C7B1994E88E0}" type="datetimeFigureOut">
               <a:rPr lang="en-US" smtClean="0"/>
-              <a:t>10/25/23</a:t>
+              <a:t>12/18/23</a:t>
             </a:fld>
             <a:endParaRPr lang="en-US"/>
           </a:p>
@@ -863,7 +863,7 @@
           <a:p>
             <a:fld id="{63E089F7-0D66-8D4E-BF21-C7B1994E88E0}" type="datetimeFigureOut">
               <a:rPr lang="en-US" smtClean="0"/>
-              <a:t>10/25/23</a:t>
+              <a:t>12/18/23</a:t>
             </a:fld>
             <a:endParaRPr lang="en-US"/>
           </a:p>
@@ -1138,7 +1138,7 @@
           <a:p>
             <a:fld id="{63E089F7-0D66-8D4E-BF21-C7B1994E88E0}" type="datetimeFigureOut">
               <a:rPr lang="en-US" smtClean="0"/>
-              <a:t>10/25/23</a:t>
+              <a:t>12/18/23</a:t>
             </a:fld>
             <a:endParaRPr lang="en-US"/>
           </a:p>
@@ -1403,7 +1403,7 @@
           <a:p>
             <a:fld id="{63E089F7-0D66-8D4E-BF21-C7B1994E88E0}" type="datetimeFigureOut">
               <a:rPr lang="en-US" smtClean="0"/>
-              <a:t>10/25/23</a:t>
+              <a:t>12/18/23</a:t>
             </a:fld>
             <a:endParaRPr lang="en-US"/>
           </a:p>
@@ -1815,7 +1815,7 @@
           <a:p>
             <a:fld id="{63E089F7-0D66-8D4E-BF21-C7B1994E88E0}" type="datetimeFigureOut">
               <a:rPr lang="en-US" smtClean="0"/>
-              <a:t>10/25/23</a:t>
+              <a:t>12/18/23</a:t>
             </a:fld>
             <a:endParaRPr lang="en-US"/>
           </a:p>
@@ -1956,7 +1956,7 @@
           <a:p>
             <a:fld id="{63E089F7-0D66-8D4E-BF21-C7B1994E88E0}" type="datetimeFigureOut">
               <a:rPr lang="en-US" smtClean="0"/>
-              <a:t>10/25/23</a:t>
+              <a:t>12/18/23</a:t>
             </a:fld>
             <a:endParaRPr lang="en-US"/>
           </a:p>
@@ -2069,7 +2069,7 @@
           <a:p>
             <a:fld id="{63E089F7-0D66-8D4E-BF21-C7B1994E88E0}" type="datetimeFigureOut">
               <a:rPr lang="en-US" smtClean="0"/>
-              <a:t>10/25/23</a:t>
+              <a:t>12/18/23</a:t>
             </a:fld>
             <a:endParaRPr lang="en-US"/>
           </a:p>
@@ -2380,7 +2380,7 @@
           <a:p>
             <a:fld id="{63E089F7-0D66-8D4E-BF21-C7B1994E88E0}" type="datetimeFigureOut">
               <a:rPr lang="en-US" smtClean="0"/>
-              <a:t>10/25/23</a:t>
+              <a:t>12/18/23</a:t>
             </a:fld>
             <a:endParaRPr lang="en-US"/>
           </a:p>
@@ -2668,7 +2668,7 @@
           <a:p>
             <a:fld id="{63E089F7-0D66-8D4E-BF21-C7B1994E88E0}" type="datetimeFigureOut">
               <a:rPr lang="en-US" smtClean="0"/>
-              <a:t>10/25/23</a:t>
+              <a:t>12/18/23</a:t>
             </a:fld>
             <a:endParaRPr lang="en-US"/>
           </a:p>
@@ -2909,7 +2909,7 @@
           <a:p>
             <a:fld id="{63E089F7-0D66-8D4E-BF21-C7B1994E88E0}" type="datetimeFigureOut">
               <a:rPr lang="en-US" smtClean="0"/>
-              <a:t>10/25/23</a:t>
+              <a:t>12/18/23</a:t>
             </a:fld>
             <a:endParaRPr lang="en-US"/>
           </a:p>
@@ -3328,10 +3328,10 @@
       </p:grpSpPr>
       <p:pic>
         <p:nvPicPr>
-          <p:cNvPr id="4" name="Picture 3">
-            <a:extLst>
-              <a:ext uri="{FF2B5EF4-FFF2-40B4-BE49-F238E27FC236}">
-                <a16:creationId xmlns:a16="http://schemas.microsoft.com/office/drawing/2014/main" id="{3366215F-6D2A-51CE-3256-F34DEE33BC04}"/>
+          <p:cNvPr id="60" name="Picture 59">
+            <a:extLst>
+              <a:ext uri="{FF2B5EF4-FFF2-40B4-BE49-F238E27FC236}">
+                <a16:creationId xmlns:a16="http://schemas.microsoft.com/office/drawing/2014/main" id="{BE28D0CF-3B1C-54E5-8967-483FA4C89CCA}"/>
               </a:ext>
             </a:extLst>
           </p:cNvPr>
@@ -3342,13 +3342,13 @@
         </p:nvPicPr>
         <p:blipFill rotWithShape="1">
           <a:blip r:embed="rId2"/>
-          <a:srcRect l="11195" t="8221" r="5487"/>
+          <a:srcRect l="13695" t="9587" r="8228" b="1335"/>
           <a:stretch/>
         </p:blipFill>
         <p:spPr>
           <a:xfrm>
-            <a:off x="2716379" y="529359"/>
-            <a:ext cx="4415323" cy="6294201"/>
+            <a:off x="3562921" y="121225"/>
+            <a:ext cx="3230625" cy="6757323"/>
           </a:xfrm>
           <a:prstGeom prst="rect">
             <a:avLst/>
@@ -3357,10 +3357,10 @@
       </p:pic>
       <p:pic>
         <p:nvPicPr>
-          <p:cNvPr id="5" name="Picture 4">
-            <a:extLst>
-              <a:ext uri="{FF2B5EF4-FFF2-40B4-BE49-F238E27FC236}">
-                <a16:creationId xmlns:a16="http://schemas.microsoft.com/office/drawing/2014/main" id="{92FEEC90-28A1-A3AD-12AE-1D3FC7FBD42B}"/>
+          <p:cNvPr id="2" name="Picture 1">
+            <a:extLst>
+              <a:ext uri="{FF2B5EF4-FFF2-40B4-BE49-F238E27FC236}">
+                <a16:creationId xmlns:a16="http://schemas.microsoft.com/office/drawing/2014/main" id="{319BBE78-3885-3FE7-4022-572A27174E7E}"/>
               </a:ext>
             </a:extLst>
           </p:cNvPr>
@@ -3377,20 +3377,663 @@
         </p:blipFill>
         <p:spPr>
           <a:xfrm>
-            <a:off x="5778108" y="563799"/>
-            <a:ext cx="1389138" cy="440273"/>
+            <a:off x="6728687" y="356407"/>
+            <a:ext cx="929880" cy="737676"/>
           </a:xfrm>
           <a:prstGeom prst="rect">
             <a:avLst/>
           </a:prstGeom>
         </p:spPr>
       </p:pic>
+      <p:pic>
+        <p:nvPicPr>
+          <p:cNvPr id="8" name="Picture 7">
+            <a:extLst>
+              <a:ext uri="{FF2B5EF4-FFF2-40B4-BE49-F238E27FC236}">
+                <a16:creationId xmlns:a16="http://schemas.microsoft.com/office/drawing/2014/main" id="{EE0E2A03-2334-218D-898F-03C2C9D7E2CC}"/>
+              </a:ext>
+            </a:extLst>
+          </p:cNvPr>
+          <p:cNvPicPr>
+            <a:picLocks noChangeAspect="1"/>
+          </p:cNvPicPr>
+          <p:nvPr/>
+        </p:nvPicPr>
+        <p:blipFill>
+          <a:blip r:embed="rId4"/>
+          <a:stretch>
+            <a:fillRect/>
+          </a:stretch>
+        </p:blipFill>
+        <p:spPr>
+          <a:xfrm>
+            <a:off x="6728687" y="1390785"/>
+            <a:ext cx="1422400" cy="381000"/>
+          </a:xfrm>
+          <a:prstGeom prst="rect">
+            <a:avLst/>
+          </a:prstGeom>
+        </p:spPr>
+      </p:pic>
+      <p:pic>
+        <p:nvPicPr>
+          <p:cNvPr id="10" name="Picture 9">
+            <a:extLst>
+              <a:ext uri="{FF2B5EF4-FFF2-40B4-BE49-F238E27FC236}">
+                <a16:creationId xmlns:a16="http://schemas.microsoft.com/office/drawing/2014/main" id="{6D1D154C-6C27-29B8-7E7B-BB33485BB679}"/>
+              </a:ext>
+            </a:extLst>
+          </p:cNvPr>
+          <p:cNvPicPr>
+            <a:picLocks noChangeAspect="1"/>
+          </p:cNvPicPr>
+          <p:nvPr/>
+        </p:nvPicPr>
+        <p:blipFill>
+          <a:blip r:embed="rId5"/>
+          <a:stretch>
+            <a:fillRect/>
+          </a:stretch>
+        </p:blipFill>
+        <p:spPr>
+          <a:xfrm>
+            <a:off x="6728687" y="1840745"/>
+            <a:ext cx="1155167" cy="372271"/>
+          </a:xfrm>
+          <a:prstGeom prst="rect">
+            <a:avLst/>
+          </a:prstGeom>
+        </p:spPr>
+      </p:pic>
+      <p:pic>
+        <p:nvPicPr>
+          <p:cNvPr id="15" name="Picture 14">
+            <a:extLst>
+              <a:ext uri="{FF2B5EF4-FFF2-40B4-BE49-F238E27FC236}">
+                <a16:creationId xmlns:a16="http://schemas.microsoft.com/office/drawing/2014/main" id="{86CD892F-6A4D-2E85-F0DE-EC79FA83E6C0}"/>
+              </a:ext>
+            </a:extLst>
+          </p:cNvPr>
+          <p:cNvPicPr>
+            <a:picLocks noChangeAspect="1"/>
+          </p:cNvPicPr>
+          <p:nvPr/>
+        </p:nvPicPr>
+        <p:blipFill>
+          <a:blip r:embed="rId6"/>
+          <a:stretch>
+            <a:fillRect/>
+          </a:stretch>
+        </p:blipFill>
+        <p:spPr>
+          <a:xfrm>
+            <a:off x="6770112" y="2320404"/>
+            <a:ext cx="1062402" cy="612924"/>
+          </a:xfrm>
+          <a:prstGeom prst="rect">
+            <a:avLst/>
+          </a:prstGeom>
+        </p:spPr>
+      </p:pic>
+      <p:pic>
+        <p:nvPicPr>
+          <p:cNvPr id="17" name="Picture 16">
+            <a:extLst>
+              <a:ext uri="{FF2B5EF4-FFF2-40B4-BE49-F238E27FC236}">
+                <a16:creationId xmlns:a16="http://schemas.microsoft.com/office/drawing/2014/main" id="{64729422-000D-940A-706E-6D1BFED8341E}"/>
+              </a:ext>
+            </a:extLst>
+          </p:cNvPr>
+          <p:cNvPicPr>
+            <a:picLocks noChangeAspect="1"/>
+          </p:cNvPicPr>
+          <p:nvPr/>
+        </p:nvPicPr>
+        <p:blipFill>
+          <a:blip r:embed="rId7"/>
+          <a:stretch>
+            <a:fillRect/>
+          </a:stretch>
+        </p:blipFill>
+        <p:spPr>
+          <a:xfrm>
+            <a:off x="6737740" y="3050691"/>
+            <a:ext cx="1146114" cy="284290"/>
+          </a:xfrm>
+          <a:prstGeom prst="rect">
+            <a:avLst/>
+          </a:prstGeom>
+        </p:spPr>
+      </p:pic>
+      <p:pic>
+        <p:nvPicPr>
+          <p:cNvPr id="19" name="Picture 18">
+            <a:extLst>
+              <a:ext uri="{FF2B5EF4-FFF2-40B4-BE49-F238E27FC236}">
+                <a16:creationId xmlns:a16="http://schemas.microsoft.com/office/drawing/2014/main" id="{A68DE401-7BFB-8F96-E98F-A3B8471965D5}"/>
+              </a:ext>
+            </a:extLst>
+          </p:cNvPr>
+          <p:cNvPicPr>
+            <a:picLocks noChangeAspect="1"/>
+          </p:cNvPicPr>
+          <p:nvPr/>
+        </p:nvPicPr>
+        <p:blipFill>
+          <a:blip r:embed="rId8"/>
+          <a:stretch>
+            <a:fillRect/>
+          </a:stretch>
+        </p:blipFill>
+        <p:spPr>
+          <a:xfrm>
+            <a:off x="6737740" y="3456495"/>
+            <a:ext cx="1269918" cy="324920"/>
+          </a:xfrm>
+          <a:prstGeom prst="rect">
+            <a:avLst/>
+          </a:prstGeom>
+        </p:spPr>
+      </p:pic>
+      <p:pic>
+        <p:nvPicPr>
+          <p:cNvPr id="20" name="Picture 19">
+            <a:extLst>
+              <a:ext uri="{FF2B5EF4-FFF2-40B4-BE49-F238E27FC236}">
+                <a16:creationId xmlns:a16="http://schemas.microsoft.com/office/drawing/2014/main" id="{7A26142A-7F10-2701-CB56-E81829E76888}"/>
+              </a:ext>
+            </a:extLst>
+          </p:cNvPr>
+          <p:cNvPicPr>
+            <a:picLocks noChangeAspect="1"/>
+          </p:cNvPicPr>
+          <p:nvPr/>
+        </p:nvPicPr>
+        <p:blipFill>
+          <a:blip r:embed="rId9"/>
+          <a:stretch>
+            <a:fillRect/>
+          </a:stretch>
+        </p:blipFill>
+        <p:spPr>
+          <a:xfrm>
+            <a:off x="6728687" y="3989018"/>
+            <a:ext cx="1079709" cy="293124"/>
+          </a:xfrm>
+          <a:prstGeom prst="rect">
+            <a:avLst/>
+          </a:prstGeom>
+        </p:spPr>
+      </p:pic>
+      <p:pic>
+        <p:nvPicPr>
+          <p:cNvPr id="21" name="Picture 20">
+            <a:extLst>
+              <a:ext uri="{FF2B5EF4-FFF2-40B4-BE49-F238E27FC236}">
+                <a16:creationId xmlns:a16="http://schemas.microsoft.com/office/drawing/2014/main" id="{D583C981-6952-9DDE-3720-09D53D90BAA4}"/>
+              </a:ext>
+            </a:extLst>
+          </p:cNvPr>
+          <p:cNvPicPr>
+            <a:picLocks noChangeAspect="1"/>
+          </p:cNvPicPr>
+          <p:nvPr/>
+        </p:nvPicPr>
+        <p:blipFill>
+          <a:blip r:embed="rId10"/>
+          <a:stretch>
+            <a:fillRect/>
+          </a:stretch>
+        </p:blipFill>
+        <p:spPr>
+          <a:xfrm>
+            <a:off x="6728687" y="4813776"/>
+            <a:ext cx="1062402" cy="520826"/>
+          </a:xfrm>
+          <a:prstGeom prst="rect">
+            <a:avLst/>
+          </a:prstGeom>
+        </p:spPr>
+      </p:pic>
+      <p:pic>
+        <p:nvPicPr>
+          <p:cNvPr id="23" name="Picture 22">
+            <a:extLst>
+              <a:ext uri="{FF2B5EF4-FFF2-40B4-BE49-F238E27FC236}">
+                <a16:creationId xmlns:a16="http://schemas.microsoft.com/office/drawing/2014/main" id="{B27B3366-6B0C-189B-2485-472CFC10C41B}"/>
+              </a:ext>
+            </a:extLst>
+          </p:cNvPr>
+          <p:cNvPicPr>
+            <a:picLocks noChangeAspect="1"/>
+          </p:cNvPicPr>
+          <p:nvPr/>
+        </p:nvPicPr>
+        <p:blipFill>
+          <a:blip r:embed="rId11"/>
+          <a:stretch>
+            <a:fillRect/>
+          </a:stretch>
+        </p:blipFill>
+        <p:spPr>
+          <a:xfrm>
+            <a:off x="6802870" y="5680109"/>
+            <a:ext cx="931341" cy="641350"/>
+          </a:xfrm>
+          <a:prstGeom prst="rect">
+            <a:avLst/>
+          </a:prstGeom>
+        </p:spPr>
+      </p:pic>
+      <p:sp>
+        <p:nvSpPr>
+          <p:cNvPr id="36" name="TextBox 35">
+            <a:extLst>
+              <a:ext uri="{FF2B5EF4-FFF2-40B4-BE49-F238E27FC236}">
+                <a16:creationId xmlns:a16="http://schemas.microsoft.com/office/drawing/2014/main" id="{1FA8CB75-CF26-E7E4-9A5B-328DF3CBE025}"/>
+              </a:ext>
+            </a:extLst>
+          </p:cNvPr>
+          <p:cNvSpPr txBox="1"/>
+          <p:nvPr/>
+        </p:nvSpPr>
+        <p:spPr>
+          <a:xfrm>
+            <a:off x="8285611" y="549880"/>
+            <a:ext cx="1029153" cy="338554"/>
+          </a:xfrm>
+          <a:prstGeom prst="rect">
+            <a:avLst/>
+          </a:prstGeom>
+          <a:noFill/>
+        </p:spPr>
+        <p:txBody>
+          <a:bodyPr wrap="square" rtlCol="0">
+            <a:spAutoFit/>
+          </a:bodyPr>
+          <a:lstStyle/>
+          <a:p>
+            <a:r>
+              <a:rPr lang="en-US" sz="1600" dirty="0"/>
+              <a:t>Felidae</a:t>
+            </a:r>
+          </a:p>
+        </p:txBody>
+      </p:sp>
+      <p:sp>
+        <p:nvSpPr>
+          <p:cNvPr id="38" name="TextBox 37">
+            <a:extLst>
+              <a:ext uri="{FF2B5EF4-FFF2-40B4-BE49-F238E27FC236}">
+                <a16:creationId xmlns:a16="http://schemas.microsoft.com/office/drawing/2014/main" id="{350087D2-8C42-EF17-E5AE-F43410E33CA5}"/>
+              </a:ext>
+            </a:extLst>
+          </p:cNvPr>
+          <p:cNvSpPr txBox="1"/>
+          <p:nvPr/>
+        </p:nvSpPr>
+        <p:spPr>
+          <a:xfrm>
+            <a:off x="8287170" y="1402709"/>
+            <a:ext cx="1287641" cy="338554"/>
+          </a:xfrm>
+          <a:prstGeom prst="rect">
+            <a:avLst/>
+          </a:prstGeom>
+          <a:noFill/>
+        </p:spPr>
+        <p:txBody>
+          <a:bodyPr wrap="square" rtlCol="0">
+            <a:spAutoFit/>
+          </a:bodyPr>
+          <a:lstStyle/>
+          <a:p>
+            <a:r>
+              <a:rPr lang="en-US" sz="1600" dirty="0"/>
+              <a:t>Viverridae</a:t>
+            </a:r>
+          </a:p>
+        </p:txBody>
+      </p:sp>
+      <p:sp>
+        <p:nvSpPr>
+          <p:cNvPr id="40" name="TextBox 39">
+            <a:extLst>
+              <a:ext uri="{FF2B5EF4-FFF2-40B4-BE49-F238E27FC236}">
+                <a16:creationId xmlns:a16="http://schemas.microsoft.com/office/drawing/2014/main" id="{21FB872C-F9D3-CC21-7AE0-1D9D6E56A79B}"/>
+              </a:ext>
+            </a:extLst>
+          </p:cNvPr>
+          <p:cNvSpPr txBox="1"/>
+          <p:nvPr/>
+        </p:nvSpPr>
+        <p:spPr>
+          <a:xfrm>
+            <a:off x="8285611" y="1766254"/>
+            <a:ext cx="3228425" cy="584775"/>
+          </a:xfrm>
+          <a:prstGeom prst="rect">
+            <a:avLst/>
+          </a:prstGeom>
+          <a:noFill/>
+        </p:spPr>
+        <p:txBody>
+          <a:bodyPr wrap="square" rtlCol="0">
+            <a:spAutoFit/>
+          </a:bodyPr>
+          <a:lstStyle/>
+          <a:p>
+            <a:r>
+              <a:rPr lang="en-US" sz="1600" dirty="0" err="1"/>
+              <a:t>Herpestidae</a:t>
+            </a:r>
+            <a:r>
+              <a:rPr lang="en-US" sz="1600" dirty="0"/>
+              <a:t>, </a:t>
+            </a:r>
+            <a:r>
+              <a:rPr lang="en-US" sz="1600" dirty="0" err="1"/>
+              <a:t>Eupleridae</a:t>
+            </a:r>
+            <a:r>
+              <a:rPr lang="en-US" sz="1600" dirty="0"/>
+              <a:t>, </a:t>
+            </a:r>
+            <a:r>
+              <a:rPr lang="en-US" sz="1600" dirty="0" err="1"/>
+              <a:t>Hyanidae</a:t>
+            </a:r>
+            <a:r>
+              <a:rPr lang="en-US" sz="1600" dirty="0"/>
+              <a:t>, </a:t>
+            </a:r>
+            <a:r>
+              <a:rPr lang="en-US" sz="1600" dirty="0" err="1"/>
+              <a:t>Nandinlidae</a:t>
+            </a:r>
+            <a:endParaRPr lang="en-US" sz="1600" dirty="0"/>
+          </a:p>
+        </p:txBody>
+      </p:sp>
+      <p:sp>
+        <p:nvSpPr>
+          <p:cNvPr id="42" name="TextBox 41">
+            <a:extLst>
+              <a:ext uri="{FF2B5EF4-FFF2-40B4-BE49-F238E27FC236}">
+                <a16:creationId xmlns:a16="http://schemas.microsoft.com/office/drawing/2014/main" id="{DC4D960E-2BDD-F169-BB41-A3E6F6568BF6}"/>
+              </a:ext>
+            </a:extLst>
+          </p:cNvPr>
+          <p:cNvSpPr txBox="1"/>
+          <p:nvPr/>
+        </p:nvSpPr>
+        <p:spPr>
+          <a:xfrm>
+            <a:off x="8285611" y="2457589"/>
+            <a:ext cx="2005802" cy="338554"/>
+          </a:xfrm>
+          <a:prstGeom prst="rect">
+            <a:avLst/>
+          </a:prstGeom>
+          <a:noFill/>
+        </p:spPr>
+        <p:txBody>
+          <a:bodyPr wrap="square" rtlCol="0">
+            <a:spAutoFit/>
+          </a:bodyPr>
+          <a:lstStyle/>
+          <a:p>
+            <a:r>
+              <a:rPr lang="en-US" sz="1600" dirty="0"/>
+              <a:t>Canidae</a:t>
+            </a:r>
+          </a:p>
+        </p:txBody>
+      </p:sp>
+      <p:sp>
+        <p:nvSpPr>
+          <p:cNvPr id="43" name="TextBox 42">
+            <a:extLst>
+              <a:ext uri="{FF2B5EF4-FFF2-40B4-BE49-F238E27FC236}">
+                <a16:creationId xmlns:a16="http://schemas.microsoft.com/office/drawing/2014/main" id="{AF075FE3-8ABE-ADF2-E6BC-CBB6931DE926}"/>
+              </a:ext>
+            </a:extLst>
+          </p:cNvPr>
+          <p:cNvSpPr txBox="1"/>
+          <p:nvPr/>
+        </p:nvSpPr>
+        <p:spPr>
+          <a:xfrm>
+            <a:off x="8285611" y="2972201"/>
+            <a:ext cx="2441251" cy="338554"/>
+          </a:xfrm>
+          <a:prstGeom prst="rect">
+            <a:avLst/>
+          </a:prstGeom>
+          <a:noFill/>
+        </p:spPr>
+        <p:txBody>
+          <a:bodyPr wrap="square" rtlCol="0">
+            <a:spAutoFit/>
+          </a:bodyPr>
+          <a:lstStyle/>
+          <a:p>
+            <a:r>
+              <a:rPr lang="en-US" sz="1600" dirty="0"/>
+              <a:t>Otariidae and Odobenidae</a:t>
+            </a:r>
+          </a:p>
+        </p:txBody>
+      </p:sp>
+      <p:sp>
+        <p:nvSpPr>
+          <p:cNvPr id="44" name="TextBox 43">
+            <a:extLst>
+              <a:ext uri="{FF2B5EF4-FFF2-40B4-BE49-F238E27FC236}">
+                <a16:creationId xmlns:a16="http://schemas.microsoft.com/office/drawing/2014/main" id="{4C054705-2829-ED51-2E15-D887687932F3}"/>
+              </a:ext>
+            </a:extLst>
+          </p:cNvPr>
+          <p:cNvSpPr txBox="1"/>
+          <p:nvPr/>
+        </p:nvSpPr>
+        <p:spPr>
+          <a:xfrm>
+            <a:off x="8285611" y="3435989"/>
+            <a:ext cx="2005802" cy="338554"/>
+          </a:xfrm>
+          <a:prstGeom prst="rect">
+            <a:avLst/>
+          </a:prstGeom>
+          <a:noFill/>
+        </p:spPr>
+        <p:txBody>
+          <a:bodyPr wrap="square" rtlCol="0">
+            <a:spAutoFit/>
+          </a:bodyPr>
+          <a:lstStyle/>
+          <a:p>
+            <a:r>
+              <a:rPr lang="en-US" sz="1600" dirty="0"/>
+              <a:t>Phocidae</a:t>
+            </a:r>
+          </a:p>
+        </p:txBody>
+      </p:sp>
+      <p:sp>
+        <p:nvSpPr>
+          <p:cNvPr id="45" name="TextBox 44">
+            <a:extLst>
+              <a:ext uri="{FF2B5EF4-FFF2-40B4-BE49-F238E27FC236}">
+                <a16:creationId xmlns:a16="http://schemas.microsoft.com/office/drawing/2014/main" id="{6B7AD14D-0878-BCB0-896F-35BA1A892FA4}"/>
+              </a:ext>
+            </a:extLst>
+          </p:cNvPr>
+          <p:cNvSpPr txBox="1"/>
+          <p:nvPr/>
+        </p:nvSpPr>
+        <p:spPr>
+          <a:xfrm>
+            <a:off x="8285611" y="3931446"/>
+            <a:ext cx="2604997" cy="338554"/>
+          </a:xfrm>
+          <a:prstGeom prst="rect">
+            <a:avLst/>
+          </a:prstGeom>
+          <a:noFill/>
+        </p:spPr>
+        <p:txBody>
+          <a:bodyPr wrap="square" rtlCol="0">
+            <a:spAutoFit/>
+          </a:bodyPr>
+          <a:lstStyle/>
+          <a:p>
+            <a:r>
+              <a:rPr lang="en-US" sz="1600" dirty="0" err="1"/>
+              <a:t>Mephitidae</a:t>
+            </a:r>
+            <a:r>
+              <a:rPr lang="en-US" sz="1600" dirty="0"/>
+              <a:t> and Procyonidae</a:t>
+            </a:r>
+          </a:p>
+        </p:txBody>
+      </p:sp>
+      <p:sp>
+        <p:nvSpPr>
+          <p:cNvPr id="47" name="TextBox 46">
+            <a:extLst>
+              <a:ext uri="{FF2B5EF4-FFF2-40B4-BE49-F238E27FC236}">
+                <a16:creationId xmlns:a16="http://schemas.microsoft.com/office/drawing/2014/main" id="{96FA4A9F-0E41-7FF4-264E-5E909C6BE6E4}"/>
+              </a:ext>
+            </a:extLst>
+          </p:cNvPr>
+          <p:cNvSpPr txBox="1"/>
+          <p:nvPr/>
+        </p:nvSpPr>
+        <p:spPr>
+          <a:xfrm>
+            <a:off x="8285611" y="4849589"/>
+            <a:ext cx="2005802" cy="338554"/>
+          </a:xfrm>
+          <a:prstGeom prst="rect">
+            <a:avLst/>
+          </a:prstGeom>
+          <a:noFill/>
+        </p:spPr>
+        <p:txBody>
+          <a:bodyPr wrap="square" rtlCol="0">
+            <a:spAutoFit/>
+          </a:bodyPr>
+          <a:lstStyle/>
+          <a:p>
+            <a:r>
+              <a:rPr lang="en-US" sz="1600" dirty="0"/>
+              <a:t>Mustelidae</a:t>
+            </a:r>
+          </a:p>
+        </p:txBody>
+      </p:sp>
+      <p:sp>
+        <p:nvSpPr>
+          <p:cNvPr id="48" name="TextBox 47">
+            <a:extLst>
+              <a:ext uri="{FF2B5EF4-FFF2-40B4-BE49-F238E27FC236}">
+                <a16:creationId xmlns:a16="http://schemas.microsoft.com/office/drawing/2014/main" id="{47D4E2A3-E6AF-BC71-45B3-B6FA8460D079}"/>
+              </a:ext>
+            </a:extLst>
+          </p:cNvPr>
+          <p:cNvSpPr txBox="1"/>
+          <p:nvPr/>
+        </p:nvSpPr>
+        <p:spPr>
+          <a:xfrm>
+            <a:off x="8285611" y="5797909"/>
+            <a:ext cx="2005802" cy="338554"/>
+          </a:xfrm>
+          <a:prstGeom prst="rect">
+            <a:avLst/>
+          </a:prstGeom>
+          <a:noFill/>
+        </p:spPr>
+        <p:txBody>
+          <a:bodyPr wrap="square" rtlCol="0">
+            <a:spAutoFit/>
+          </a:bodyPr>
+          <a:lstStyle/>
+          <a:p>
+            <a:r>
+              <a:rPr lang="en-US" sz="1600" dirty="0"/>
+              <a:t>Ursidae</a:t>
+            </a:r>
+          </a:p>
+        </p:txBody>
+      </p:sp>
+      <p:pic>
+        <p:nvPicPr>
+          <p:cNvPr id="49" name="Picture 48">
+            <a:extLst>
+              <a:ext uri="{FF2B5EF4-FFF2-40B4-BE49-F238E27FC236}">
+                <a16:creationId xmlns:a16="http://schemas.microsoft.com/office/drawing/2014/main" id="{A2A5DC82-99AD-72E8-7E92-6A137729505E}"/>
+              </a:ext>
+            </a:extLst>
+          </p:cNvPr>
+          <p:cNvPicPr>
+            <a:picLocks noChangeAspect="1"/>
+          </p:cNvPicPr>
+          <p:nvPr/>
+        </p:nvPicPr>
+        <p:blipFill rotWithShape="1">
+          <a:blip r:embed="rId12"/>
+          <a:srcRect t="8586" r="6198" b="11181"/>
+          <a:stretch/>
+        </p:blipFill>
+        <p:spPr>
+          <a:xfrm>
+            <a:off x="687125" y="27542"/>
+            <a:ext cx="2923740" cy="6108921"/>
+          </a:xfrm>
+          <a:prstGeom prst="rect">
+            <a:avLst/>
+          </a:prstGeom>
+        </p:spPr>
+      </p:pic>
+      <p:pic>
+        <p:nvPicPr>
+          <p:cNvPr id="50" name="Picture 49">
+            <a:extLst>
+              <a:ext uri="{FF2B5EF4-FFF2-40B4-BE49-F238E27FC236}">
+                <a16:creationId xmlns:a16="http://schemas.microsoft.com/office/drawing/2014/main" id="{5C9D2E5F-3DFE-D842-3B5C-A09386759C46}"/>
+              </a:ext>
+            </a:extLst>
+          </p:cNvPr>
+          <p:cNvPicPr>
+            <a:picLocks noChangeAspect="1"/>
+          </p:cNvPicPr>
+          <p:nvPr/>
+        </p:nvPicPr>
+        <p:blipFill>
+          <a:blip r:embed="rId13"/>
+          <a:stretch>
+            <a:fillRect/>
+          </a:stretch>
+        </p:blipFill>
+        <p:spPr>
+          <a:xfrm>
+            <a:off x="4844884" y="30916"/>
+            <a:ext cx="1785371" cy="565855"/>
+          </a:xfrm>
+          <a:prstGeom prst="rect">
+            <a:avLst/>
+          </a:prstGeom>
+        </p:spPr>
+      </p:pic>
       <p:cxnSp>
         <p:nvCxnSpPr>
-          <p:cNvPr id="3" name="Straight Connector 2">
-            <a:extLst>
-              <a:ext uri="{FF2B5EF4-FFF2-40B4-BE49-F238E27FC236}">
-                <a16:creationId xmlns:a16="http://schemas.microsoft.com/office/drawing/2014/main" id="{CF18D9E1-A40A-FFDC-41CF-959CB3357A30}"/>
+          <p:cNvPr id="51" name="Straight Connector 50">
+            <a:extLst>
+              <a:ext uri="{FF2B5EF4-FFF2-40B4-BE49-F238E27FC236}">
+                <a16:creationId xmlns:a16="http://schemas.microsoft.com/office/drawing/2014/main" id="{82FC9F37-322C-28AE-8024-EB02735CAF16}"/>
               </a:ext>
             </a:extLst>
           </p:cNvPr>
@@ -3400,9 +4043,9 @@
           <p:nvPr/>
         </p:nvCxnSpPr>
         <p:spPr>
-          <a:xfrm flipV="1">
-            <a:off x="2703443" y="1747442"/>
-            <a:ext cx="4463803" cy="5073"/>
+          <a:xfrm>
+            <a:off x="3549221" y="1832842"/>
+            <a:ext cx="3005690" cy="0"/>
           </a:xfrm>
           <a:prstGeom prst="line">
             <a:avLst/>
@@ -3433,10 +4076,10 @@
       </p:cxnSp>
       <p:cxnSp>
         <p:nvCxnSpPr>
-          <p:cNvPr id="6" name="Straight Connector 5">
-            <a:extLst>
-              <a:ext uri="{FF2B5EF4-FFF2-40B4-BE49-F238E27FC236}">
-                <a16:creationId xmlns:a16="http://schemas.microsoft.com/office/drawing/2014/main" id="{230AF52E-5657-28CC-33F7-A8B9DA34FD69}"/>
+          <p:cNvPr id="52" name="Straight Connector 51">
+            <a:extLst>
+              <a:ext uri="{FF2B5EF4-FFF2-40B4-BE49-F238E27FC236}">
+                <a16:creationId xmlns:a16="http://schemas.microsoft.com/office/drawing/2014/main" id="{CAC30154-49AA-C78D-1E8C-CAB4A200BF3B}"/>
               </a:ext>
             </a:extLst>
           </p:cNvPr>
@@ -3447,8 +4090,8 @@
         </p:nvCxnSpPr>
         <p:spPr>
           <a:xfrm>
-            <a:off x="2712366" y="4017669"/>
-            <a:ext cx="4467323" cy="0"/>
+            <a:off x="3562921" y="1348244"/>
+            <a:ext cx="3005690" cy="0"/>
           </a:xfrm>
           <a:prstGeom prst="line">
             <a:avLst/>
@@ -3456,7 +4099,7 @@
           <a:ln>
             <a:solidFill>
               <a:schemeClr val="dk1">
-                <a:alpha val="24692"/>
+                <a:alpha val="26000"/>
               </a:schemeClr>
             </a:solidFill>
             <a:prstDash val="dash"/>
@@ -3479,10 +4122,10 @@
       </p:cxnSp>
       <p:cxnSp>
         <p:nvCxnSpPr>
-          <p:cNvPr id="9" name="Straight Connector 8">
-            <a:extLst>
-              <a:ext uri="{FF2B5EF4-FFF2-40B4-BE49-F238E27FC236}">
-                <a16:creationId xmlns:a16="http://schemas.microsoft.com/office/drawing/2014/main" id="{09D8EC83-5783-00A4-2949-4971CA0C3577}"/>
+          <p:cNvPr id="53" name="Straight Connector 52">
+            <a:extLst>
+              <a:ext uri="{FF2B5EF4-FFF2-40B4-BE49-F238E27FC236}">
+                <a16:creationId xmlns:a16="http://schemas.microsoft.com/office/drawing/2014/main" id="{DD6F436D-807C-1DCF-6BED-EC96444A46BB}"/>
               </a:ext>
             </a:extLst>
           </p:cNvPr>
@@ -3493,8 +4136,8 @@
         </p:nvCxnSpPr>
         <p:spPr>
           <a:xfrm>
-            <a:off x="2712366" y="5675159"/>
-            <a:ext cx="4467323" cy="0"/>
+            <a:off x="3549221" y="2312217"/>
+            <a:ext cx="3005690" cy="0"/>
           </a:xfrm>
           <a:prstGeom prst="line">
             <a:avLst/>
@@ -3502,7 +4145,7 @@
           <a:ln>
             <a:solidFill>
               <a:schemeClr val="dk1">
-                <a:alpha val="24964"/>
+                <a:alpha val="26000"/>
               </a:schemeClr>
             </a:solidFill>
             <a:prstDash val="dash"/>
@@ -3525,10 +4168,10 @@
       </p:cxnSp>
       <p:cxnSp>
         <p:nvCxnSpPr>
-          <p:cNvPr id="11" name="Straight Connector 10">
-            <a:extLst>
-              <a:ext uri="{FF2B5EF4-FFF2-40B4-BE49-F238E27FC236}">
-                <a16:creationId xmlns:a16="http://schemas.microsoft.com/office/drawing/2014/main" id="{5266A536-9D6D-66A2-F77D-A344CE27D1A8}"/>
+          <p:cNvPr id="54" name="Straight Connector 53">
+            <a:extLst>
+              <a:ext uri="{FF2B5EF4-FFF2-40B4-BE49-F238E27FC236}">
+                <a16:creationId xmlns:a16="http://schemas.microsoft.com/office/drawing/2014/main" id="{59A982D1-F661-F6A6-1CE6-615A8F9193D5}"/>
               </a:ext>
             </a:extLst>
           </p:cNvPr>
@@ -3539,8 +4182,8 @@
         </p:nvCxnSpPr>
         <p:spPr>
           <a:xfrm>
-            <a:off x="2703443" y="4462584"/>
-            <a:ext cx="4476246" cy="0"/>
+            <a:off x="3533255" y="3008904"/>
+            <a:ext cx="3005690" cy="0"/>
           </a:xfrm>
           <a:prstGeom prst="line">
             <a:avLst/>
@@ -3548,7 +4191,7 @@
           <a:ln>
             <a:solidFill>
               <a:schemeClr val="dk1">
-                <a:alpha val="25484"/>
+                <a:alpha val="26000"/>
               </a:schemeClr>
             </a:solidFill>
             <a:prstDash val="dash"/>
@@ -3571,10 +4214,10 @@
       </p:cxnSp>
       <p:cxnSp>
         <p:nvCxnSpPr>
-          <p:cNvPr id="12" name="Straight Connector 11">
-            <a:extLst>
-              <a:ext uri="{FF2B5EF4-FFF2-40B4-BE49-F238E27FC236}">
-                <a16:creationId xmlns:a16="http://schemas.microsoft.com/office/drawing/2014/main" id="{11E17F73-1FA1-BA0C-D88A-6E28241E9971}"/>
+          <p:cNvPr id="55" name="Straight Connector 54">
+            <a:extLst>
+              <a:ext uri="{FF2B5EF4-FFF2-40B4-BE49-F238E27FC236}">
+                <a16:creationId xmlns:a16="http://schemas.microsoft.com/office/drawing/2014/main" id="{16C1BAFE-F8EE-37C8-92E6-B00A3D1C071A}"/>
               </a:ext>
             </a:extLst>
           </p:cNvPr>
@@ -3585,8 +4228,8 @@
         </p:nvCxnSpPr>
         <p:spPr>
           <a:xfrm>
-            <a:off x="2696815" y="3240561"/>
-            <a:ext cx="4470431" cy="0"/>
+            <a:off x="3562921" y="3374493"/>
+            <a:ext cx="3005690" cy="0"/>
           </a:xfrm>
           <a:prstGeom prst="line">
             <a:avLst/>
@@ -3594,7 +4237,7 @@
           <a:ln>
             <a:solidFill>
               <a:schemeClr val="dk1">
-                <a:alpha val="24989"/>
+                <a:alpha val="26000"/>
               </a:schemeClr>
             </a:solidFill>
             <a:prstDash val="dash"/>
@@ -3617,10 +4260,10 @@
       </p:cxnSp>
       <p:cxnSp>
         <p:nvCxnSpPr>
-          <p:cNvPr id="13" name="Straight Connector 12">
-            <a:extLst>
-              <a:ext uri="{FF2B5EF4-FFF2-40B4-BE49-F238E27FC236}">
-                <a16:creationId xmlns:a16="http://schemas.microsoft.com/office/drawing/2014/main" id="{28F58AEA-2C4D-0203-CCF3-DC03FE0BB6E8}"/>
+          <p:cNvPr id="56" name="Straight Connector 55">
+            <a:extLst>
+              <a:ext uri="{FF2B5EF4-FFF2-40B4-BE49-F238E27FC236}">
+                <a16:creationId xmlns:a16="http://schemas.microsoft.com/office/drawing/2014/main" id="{2AB3802D-6D78-D60C-A29E-06D3FAD82AC1}"/>
               </a:ext>
             </a:extLst>
           </p:cNvPr>
@@ -3631,8 +4274,8 @@
         </p:nvCxnSpPr>
         <p:spPr>
           <a:xfrm>
-            <a:off x="2696815" y="2617709"/>
-            <a:ext cx="4470431" cy="0"/>
+            <a:off x="3562921" y="3858060"/>
+            <a:ext cx="3005690" cy="0"/>
           </a:xfrm>
           <a:prstGeom prst="line">
             <a:avLst/>
@@ -3640,7 +4283,7 @@
           <a:ln>
             <a:solidFill>
               <a:schemeClr val="dk1">
-                <a:alpha val="25000"/>
+                <a:alpha val="26000"/>
               </a:schemeClr>
             </a:solidFill>
             <a:prstDash val="dash"/>
@@ -3663,10 +4306,10 @@
       </p:cxnSp>
       <p:cxnSp>
         <p:nvCxnSpPr>
-          <p:cNvPr id="14" name="Straight Connector 13">
-            <a:extLst>
-              <a:ext uri="{FF2B5EF4-FFF2-40B4-BE49-F238E27FC236}">
-                <a16:creationId xmlns:a16="http://schemas.microsoft.com/office/drawing/2014/main" id="{F01D6E2B-A6D5-8E93-24FF-FF4CBD9CD786}"/>
+          <p:cNvPr id="57" name="Straight Connector 56">
+            <a:extLst>
+              <a:ext uri="{FF2B5EF4-FFF2-40B4-BE49-F238E27FC236}">
+                <a16:creationId xmlns:a16="http://schemas.microsoft.com/office/drawing/2014/main" id="{DEEA79C8-219D-1420-5CBF-60F3E7FEBB52}"/>
               </a:ext>
             </a:extLst>
           </p:cNvPr>
@@ -3677,8 +4320,8 @@
         </p:nvCxnSpPr>
         <p:spPr>
           <a:xfrm>
-            <a:off x="2703443" y="2182575"/>
-            <a:ext cx="4463803" cy="0"/>
+            <a:off x="3562921" y="4339296"/>
+            <a:ext cx="3005690" cy="0"/>
           </a:xfrm>
           <a:prstGeom prst="line">
             <a:avLst/>
@@ -3686,7 +4329,7 @@
           <a:ln>
             <a:solidFill>
               <a:schemeClr val="dk1">
-                <a:alpha val="25000"/>
+                <a:alpha val="26000"/>
               </a:schemeClr>
             </a:solidFill>
             <a:prstDash val="dash"/>
@@ -3707,162 +4350,12 @@
           </a:fontRef>
         </p:style>
       </p:cxnSp>
-      <p:pic>
-        <p:nvPicPr>
-          <p:cNvPr id="16" name="Picture 15">
-            <a:extLst>
-              <a:ext uri="{FF2B5EF4-FFF2-40B4-BE49-F238E27FC236}">
-                <a16:creationId xmlns:a16="http://schemas.microsoft.com/office/drawing/2014/main" id="{FE44F822-FD43-92BC-6FFF-2033378B2F5C}"/>
-              </a:ext>
-            </a:extLst>
-          </p:cNvPr>
-          <p:cNvPicPr>
-            <a:picLocks noChangeAspect="1"/>
-          </p:cNvPicPr>
-          <p:nvPr/>
-        </p:nvPicPr>
-        <p:blipFill>
-          <a:blip r:embed="rId4"/>
-          <a:stretch>
-            <a:fillRect/>
-          </a:stretch>
-        </p:blipFill>
-        <p:spPr>
-          <a:xfrm>
-            <a:off x="7299720" y="788752"/>
-            <a:ext cx="929880" cy="737676"/>
-          </a:xfrm>
-          <a:prstGeom prst="rect">
-            <a:avLst/>
-          </a:prstGeom>
-        </p:spPr>
-      </p:pic>
-      <p:pic>
-        <p:nvPicPr>
-          <p:cNvPr id="18" name="Picture 17">
-            <a:extLst>
-              <a:ext uri="{FF2B5EF4-FFF2-40B4-BE49-F238E27FC236}">
-                <a16:creationId xmlns:a16="http://schemas.microsoft.com/office/drawing/2014/main" id="{B1EA3AAD-B2E3-2684-8BAA-146C9B857888}"/>
-              </a:ext>
-            </a:extLst>
-          </p:cNvPr>
-          <p:cNvPicPr>
-            <a:picLocks noChangeAspect="1"/>
-          </p:cNvPicPr>
-          <p:nvPr/>
-        </p:nvPicPr>
-        <p:blipFill>
-          <a:blip r:embed="rId5"/>
-          <a:stretch>
-            <a:fillRect/>
-          </a:stretch>
-        </p:blipFill>
-        <p:spPr>
-          <a:xfrm>
-            <a:off x="7299720" y="1780842"/>
-            <a:ext cx="1422400" cy="381000"/>
-          </a:xfrm>
-          <a:prstGeom prst="rect">
-            <a:avLst/>
-          </a:prstGeom>
-        </p:spPr>
-      </p:pic>
-      <p:pic>
-        <p:nvPicPr>
-          <p:cNvPr id="22" name="Picture 21">
-            <a:extLst>
-              <a:ext uri="{FF2B5EF4-FFF2-40B4-BE49-F238E27FC236}">
-                <a16:creationId xmlns:a16="http://schemas.microsoft.com/office/drawing/2014/main" id="{E57528AE-9818-4254-0D60-3AEC63D4E319}"/>
-              </a:ext>
-            </a:extLst>
-          </p:cNvPr>
-          <p:cNvPicPr>
-            <a:picLocks noChangeAspect="1"/>
-          </p:cNvPicPr>
-          <p:nvPr/>
-        </p:nvPicPr>
-        <p:blipFill>
-          <a:blip r:embed="rId6"/>
-          <a:stretch>
-            <a:fillRect/>
-          </a:stretch>
-        </p:blipFill>
-        <p:spPr>
-          <a:xfrm>
-            <a:off x="7299720" y="2219369"/>
-            <a:ext cx="1155167" cy="372271"/>
-          </a:xfrm>
-          <a:prstGeom prst="rect">
-            <a:avLst/>
-          </a:prstGeom>
-        </p:spPr>
-      </p:pic>
-      <p:pic>
-        <p:nvPicPr>
-          <p:cNvPr id="25" name="Picture 24">
-            <a:extLst>
-              <a:ext uri="{FF2B5EF4-FFF2-40B4-BE49-F238E27FC236}">
-                <a16:creationId xmlns:a16="http://schemas.microsoft.com/office/drawing/2014/main" id="{DD9103AE-D243-26F9-402F-7AEDAC2E34D0}"/>
-              </a:ext>
-            </a:extLst>
-          </p:cNvPr>
-          <p:cNvPicPr>
-            <a:picLocks noChangeAspect="1"/>
-          </p:cNvPicPr>
-          <p:nvPr/>
-        </p:nvPicPr>
-        <p:blipFill>
-          <a:blip r:embed="rId7"/>
-          <a:stretch>
-            <a:fillRect/>
-          </a:stretch>
-        </p:blipFill>
-        <p:spPr>
-          <a:xfrm>
-            <a:off x="7299720" y="2637086"/>
-            <a:ext cx="1062402" cy="612924"/>
-          </a:xfrm>
-          <a:prstGeom prst="rect">
-            <a:avLst/>
-          </a:prstGeom>
-        </p:spPr>
-      </p:pic>
-      <p:pic>
-        <p:nvPicPr>
-          <p:cNvPr id="27" name="Picture 26">
-            <a:extLst>
-              <a:ext uri="{FF2B5EF4-FFF2-40B4-BE49-F238E27FC236}">
-                <a16:creationId xmlns:a16="http://schemas.microsoft.com/office/drawing/2014/main" id="{960581A9-AAAB-4FBC-DFFB-210AE2E8BE03}"/>
-              </a:ext>
-            </a:extLst>
-          </p:cNvPr>
-          <p:cNvPicPr>
-            <a:picLocks noChangeAspect="1"/>
-          </p:cNvPicPr>
-          <p:nvPr/>
-        </p:nvPicPr>
-        <p:blipFill>
-          <a:blip r:embed="rId8"/>
-          <a:stretch>
-            <a:fillRect/>
-          </a:stretch>
-        </p:blipFill>
-        <p:spPr>
-          <a:xfrm>
-            <a:off x="7298259" y="3369020"/>
-            <a:ext cx="1146114" cy="284290"/>
-          </a:xfrm>
-          <a:prstGeom prst="rect">
-            <a:avLst/>
-          </a:prstGeom>
-        </p:spPr>
-      </p:pic>
       <p:cxnSp>
         <p:nvCxnSpPr>
-          <p:cNvPr id="35" name="Straight Connector 34">
-            <a:extLst>
-              <a:ext uri="{FF2B5EF4-FFF2-40B4-BE49-F238E27FC236}">
-                <a16:creationId xmlns:a16="http://schemas.microsoft.com/office/drawing/2014/main" id="{5E5D52DB-9C4C-6321-307B-FD7F674C7C85}"/>
+          <p:cNvPr id="58" name="Straight Connector 57">
+            <a:extLst>
+              <a:ext uri="{FF2B5EF4-FFF2-40B4-BE49-F238E27FC236}">
+                <a16:creationId xmlns:a16="http://schemas.microsoft.com/office/drawing/2014/main" id="{23AA1C5C-40DF-140F-D7A1-79586586C72F}"/>
               </a:ext>
             </a:extLst>
           </p:cNvPr>
@@ -3873,8 +4366,8 @@
         </p:nvCxnSpPr>
         <p:spPr>
           <a:xfrm>
-            <a:off x="2709258" y="3583522"/>
-            <a:ext cx="4470431" cy="0"/>
+            <a:off x="3549221" y="5683497"/>
+            <a:ext cx="3005690" cy="0"/>
           </a:xfrm>
           <a:prstGeom prst="line">
             <a:avLst/>
@@ -3882,7 +4375,7 @@
           <a:ln>
             <a:solidFill>
               <a:schemeClr val="dk1">
-                <a:alpha val="24989"/>
+                <a:alpha val="26000"/>
               </a:schemeClr>
             </a:solidFill>
             <a:prstDash val="dash"/>
@@ -3903,499 +4396,6 @@
           </a:fontRef>
         </p:style>
       </p:cxnSp>
-      <p:pic>
-        <p:nvPicPr>
-          <p:cNvPr id="37" name="Picture 36">
-            <a:extLst>
-              <a:ext uri="{FF2B5EF4-FFF2-40B4-BE49-F238E27FC236}">
-                <a16:creationId xmlns:a16="http://schemas.microsoft.com/office/drawing/2014/main" id="{7739C95D-3A9D-ABC8-C531-6D139C36D2E9}"/>
-              </a:ext>
-            </a:extLst>
-          </p:cNvPr>
-          <p:cNvPicPr>
-            <a:picLocks noChangeAspect="1"/>
-          </p:cNvPicPr>
-          <p:nvPr/>
-        </p:nvPicPr>
-        <p:blipFill>
-          <a:blip r:embed="rId9"/>
-          <a:stretch>
-            <a:fillRect/>
-          </a:stretch>
-        </p:blipFill>
-        <p:spPr>
-          <a:xfrm>
-            <a:off x="7298259" y="3754388"/>
-            <a:ext cx="1269918" cy="324920"/>
-          </a:xfrm>
-          <a:prstGeom prst="rect">
-            <a:avLst/>
-          </a:prstGeom>
-        </p:spPr>
-      </p:pic>
-      <p:pic>
-        <p:nvPicPr>
-          <p:cNvPr id="39" name="Picture 38">
-            <a:extLst>
-              <a:ext uri="{FF2B5EF4-FFF2-40B4-BE49-F238E27FC236}">
-                <a16:creationId xmlns:a16="http://schemas.microsoft.com/office/drawing/2014/main" id="{696D47FD-102E-617F-E9E9-AE021D53D0A4}"/>
-              </a:ext>
-            </a:extLst>
-          </p:cNvPr>
-          <p:cNvPicPr>
-            <a:picLocks noChangeAspect="1"/>
-          </p:cNvPicPr>
-          <p:nvPr/>
-        </p:nvPicPr>
-        <p:blipFill>
-          <a:blip r:embed="rId10"/>
-          <a:stretch>
-            <a:fillRect/>
-          </a:stretch>
-        </p:blipFill>
-        <p:spPr>
-          <a:xfrm>
-            <a:off x="7317027" y="4217229"/>
-            <a:ext cx="1079709" cy="293124"/>
-          </a:xfrm>
-          <a:prstGeom prst="rect">
-            <a:avLst/>
-          </a:prstGeom>
-        </p:spPr>
-      </p:pic>
-      <p:pic>
-        <p:nvPicPr>
-          <p:cNvPr id="41" name="Picture 40">
-            <a:extLst>
-              <a:ext uri="{FF2B5EF4-FFF2-40B4-BE49-F238E27FC236}">
-                <a16:creationId xmlns:a16="http://schemas.microsoft.com/office/drawing/2014/main" id="{6D1BFCFC-2457-2390-2E86-A5C7EA1347F7}"/>
-              </a:ext>
-            </a:extLst>
-          </p:cNvPr>
-          <p:cNvPicPr>
-            <a:picLocks noChangeAspect="1"/>
-          </p:cNvPicPr>
-          <p:nvPr/>
-        </p:nvPicPr>
-        <p:blipFill>
-          <a:blip r:embed="rId11"/>
-          <a:stretch>
-            <a:fillRect/>
-          </a:stretch>
-        </p:blipFill>
-        <p:spPr>
-          <a:xfrm>
-            <a:off x="7317027" y="4685595"/>
-            <a:ext cx="1062402" cy="520826"/>
-          </a:xfrm>
-          <a:prstGeom prst="rect">
-            <a:avLst/>
-          </a:prstGeom>
-        </p:spPr>
-      </p:pic>
-      <p:pic>
-        <p:nvPicPr>
-          <p:cNvPr id="46" name="Picture 45">
-            <a:extLst>
-              <a:ext uri="{FF2B5EF4-FFF2-40B4-BE49-F238E27FC236}">
-                <a16:creationId xmlns:a16="http://schemas.microsoft.com/office/drawing/2014/main" id="{A831AF1D-099C-DF35-B207-840F4904234B}"/>
-              </a:ext>
-            </a:extLst>
-          </p:cNvPr>
-          <p:cNvPicPr>
-            <a:picLocks noChangeAspect="1"/>
-          </p:cNvPicPr>
-          <p:nvPr/>
-        </p:nvPicPr>
-        <p:blipFill>
-          <a:blip r:embed="rId12"/>
-          <a:stretch>
-            <a:fillRect/>
-          </a:stretch>
-        </p:blipFill>
-        <p:spPr>
-          <a:xfrm>
-            <a:off x="7298259" y="5500932"/>
-            <a:ext cx="931341" cy="641350"/>
-          </a:xfrm>
-          <a:prstGeom prst="rect">
-            <a:avLst/>
-          </a:prstGeom>
-        </p:spPr>
-      </p:pic>
-      <p:pic>
-        <p:nvPicPr>
-          <p:cNvPr id="7" name="Picture 6">
-            <a:extLst>
-              <a:ext uri="{FF2B5EF4-FFF2-40B4-BE49-F238E27FC236}">
-                <a16:creationId xmlns:a16="http://schemas.microsoft.com/office/drawing/2014/main" id="{2EE13B4B-B74E-6010-AE99-49602C3DE8E4}"/>
-              </a:ext>
-            </a:extLst>
-          </p:cNvPr>
-          <p:cNvPicPr>
-            <a:picLocks noChangeAspect="1"/>
-          </p:cNvPicPr>
-          <p:nvPr/>
-        </p:nvPicPr>
-        <p:blipFill rotWithShape="1">
-          <a:blip r:embed="rId13"/>
-          <a:srcRect t="8586" r="6198" b="11181"/>
-          <a:stretch/>
-        </p:blipFill>
-        <p:spPr>
-          <a:xfrm>
-            <a:off x="118672" y="552224"/>
-            <a:ext cx="2633450" cy="5502384"/>
-          </a:xfrm>
-          <a:prstGeom prst="rect">
-            <a:avLst/>
-          </a:prstGeom>
-        </p:spPr>
-      </p:pic>
-      <p:sp>
-        <p:nvSpPr>
-          <p:cNvPr id="24" name="TextBox 23">
-            <a:extLst>
-              <a:ext uri="{FF2B5EF4-FFF2-40B4-BE49-F238E27FC236}">
-                <a16:creationId xmlns:a16="http://schemas.microsoft.com/office/drawing/2014/main" id="{72922A62-36D0-71A4-A008-D0FC1EED2A0C}"/>
-              </a:ext>
-            </a:extLst>
-          </p:cNvPr>
-          <p:cNvSpPr txBox="1"/>
-          <p:nvPr/>
-        </p:nvSpPr>
-        <p:spPr>
-          <a:xfrm>
-            <a:off x="8973980" y="1019090"/>
-            <a:ext cx="1029153" cy="276999"/>
-          </a:xfrm>
-          <a:prstGeom prst="rect">
-            <a:avLst/>
-          </a:prstGeom>
-          <a:noFill/>
-        </p:spPr>
-        <p:txBody>
-          <a:bodyPr wrap="square" rtlCol="0">
-            <a:spAutoFit/>
-          </a:bodyPr>
-          <a:lstStyle/>
-          <a:p>
-            <a:r>
-              <a:rPr lang="en-US" sz="1200" dirty="0"/>
-              <a:t>Felidae</a:t>
-            </a:r>
-          </a:p>
-        </p:txBody>
-      </p:sp>
-      <p:sp>
-        <p:nvSpPr>
-          <p:cNvPr id="26" name="TextBox 25">
-            <a:extLst>
-              <a:ext uri="{FF2B5EF4-FFF2-40B4-BE49-F238E27FC236}">
-                <a16:creationId xmlns:a16="http://schemas.microsoft.com/office/drawing/2014/main" id="{7C9AAD3A-6618-3B34-53F1-F80F66A3BC1F}"/>
-              </a:ext>
-            </a:extLst>
-          </p:cNvPr>
-          <p:cNvSpPr txBox="1"/>
-          <p:nvPr/>
-        </p:nvSpPr>
-        <p:spPr>
-          <a:xfrm>
-            <a:off x="8973979" y="1832842"/>
-            <a:ext cx="1029153" cy="276999"/>
-          </a:xfrm>
-          <a:prstGeom prst="rect">
-            <a:avLst/>
-          </a:prstGeom>
-          <a:noFill/>
-        </p:spPr>
-        <p:txBody>
-          <a:bodyPr wrap="square" rtlCol="0">
-            <a:spAutoFit/>
-          </a:bodyPr>
-          <a:lstStyle/>
-          <a:p>
-            <a:r>
-              <a:rPr lang="en-US" sz="1200" dirty="0"/>
-              <a:t>Viverridae</a:t>
-            </a:r>
-          </a:p>
-        </p:txBody>
-      </p:sp>
-      <p:sp>
-        <p:nvSpPr>
-          <p:cNvPr id="28" name="TextBox 27">
-            <a:extLst>
-              <a:ext uri="{FF2B5EF4-FFF2-40B4-BE49-F238E27FC236}">
-                <a16:creationId xmlns:a16="http://schemas.microsoft.com/office/drawing/2014/main" id="{A466EA05-4DCD-0CD4-A591-49A3387EDCC2}"/>
-              </a:ext>
-            </a:extLst>
-          </p:cNvPr>
-          <p:cNvSpPr txBox="1"/>
-          <p:nvPr/>
-        </p:nvSpPr>
-        <p:spPr>
-          <a:xfrm>
-            <a:off x="8973979" y="2167278"/>
-            <a:ext cx="2005802" cy="461665"/>
-          </a:xfrm>
-          <a:prstGeom prst="rect">
-            <a:avLst/>
-          </a:prstGeom>
-          <a:noFill/>
-        </p:spPr>
-        <p:txBody>
-          <a:bodyPr wrap="square" rtlCol="0">
-            <a:spAutoFit/>
-          </a:bodyPr>
-          <a:lstStyle/>
-          <a:p>
-            <a:r>
-              <a:rPr lang="en-US" sz="1200" dirty="0" err="1"/>
-              <a:t>Herpestidae</a:t>
-            </a:r>
-            <a:r>
-              <a:rPr lang="en-US" sz="1200" dirty="0"/>
-              <a:t>, </a:t>
-            </a:r>
-            <a:r>
-              <a:rPr lang="en-US" sz="1200" dirty="0" err="1"/>
-              <a:t>Eupleridae</a:t>
-            </a:r>
-            <a:r>
-              <a:rPr lang="en-US" sz="1200" dirty="0"/>
-              <a:t>, </a:t>
-            </a:r>
-            <a:r>
-              <a:rPr lang="en-US" sz="1200" dirty="0" err="1"/>
-              <a:t>Hyanidae</a:t>
-            </a:r>
-            <a:r>
-              <a:rPr lang="en-US" sz="1200" dirty="0"/>
-              <a:t>, </a:t>
-            </a:r>
-            <a:r>
-              <a:rPr lang="en-US" sz="1200" dirty="0" err="1"/>
-              <a:t>Nandinlidae</a:t>
-            </a:r>
-            <a:endParaRPr lang="en-US" sz="1200" dirty="0"/>
-          </a:p>
-        </p:txBody>
-      </p:sp>
-      <p:sp>
-        <p:nvSpPr>
-          <p:cNvPr id="29" name="TextBox 28">
-            <a:extLst>
-              <a:ext uri="{FF2B5EF4-FFF2-40B4-BE49-F238E27FC236}">
-                <a16:creationId xmlns:a16="http://schemas.microsoft.com/office/drawing/2014/main" id="{E5082CDE-4415-C4C1-DC2D-146B34D1EB29}"/>
-              </a:ext>
-            </a:extLst>
-          </p:cNvPr>
-          <p:cNvSpPr txBox="1"/>
-          <p:nvPr/>
-        </p:nvSpPr>
-        <p:spPr>
-          <a:xfrm>
-            <a:off x="8973979" y="2805048"/>
-            <a:ext cx="2005802" cy="276999"/>
-          </a:xfrm>
-          <a:prstGeom prst="rect">
-            <a:avLst/>
-          </a:prstGeom>
-          <a:noFill/>
-        </p:spPr>
-        <p:txBody>
-          <a:bodyPr wrap="square" rtlCol="0">
-            <a:spAutoFit/>
-          </a:bodyPr>
-          <a:lstStyle/>
-          <a:p>
-            <a:r>
-              <a:rPr lang="en-US" sz="1200" dirty="0"/>
-              <a:t>Canidae</a:t>
-            </a:r>
-          </a:p>
-        </p:txBody>
-      </p:sp>
-      <p:sp>
-        <p:nvSpPr>
-          <p:cNvPr id="30" name="TextBox 29">
-            <a:extLst>
-              <a:ext uri="{FF2B5EF4-FFF2-40B4-BE49-F238E27FC236}">
-                <a16:creationId xmlns:a16="http://schemas.microsoft.com/office/drawing/2014/main" id="{45A40FEF-7853-622D-81D2-E3266D8175B6}"/>
-              </a:ext>
-            </a:extLst>
-          </p:cNvPr>
-          <p:cNvSpPr txBox="1"/>
-          <p:nvPr/>
-        </p:nvSpPr>
-        <p:spPr>
-          <a:xfrm>
-            <a:off x="8973979" y="3290500"/>
-            <a:ext cx="2005802" cy="276999"/>
-          </a:xfrm>
-          <a:prstGeom prst="rect">
-            <a:avLst/>
-          </a:prstGeom>
-          <a:noFill/>
-        </p:spPr>
-        <p:txBody>
-          <a:bodyPr wrap="square" rtlCol="0">
-            <a:spAutoFit/>
-          </a:bodyPr>
-          <a:lstStyle/>
-          <a:p>
-            <a:r>
-              <a:rPr lang="en-US" sz="1200" dirty="0"/>
-              <a:t>Otariidae and Odobenidae</a:t>
-            </a:r>
-          </a:p>
-        </p:txBody>
-      </p:sp>
-      <p:sp>
-        <p:nvSpPr>
-          <p:cNvPr id="31" name="TextBox 30">
-            <a:extLst>
-              <a:ext uri="{FF2B5EF4-FFF2-40B4-BE49-F238E27FC236}">
-                <a16:creationId xmlns:a16="http://schemas.microsoft.com/office/drawing/2014/main" id="{6374CDCC-93E0-0EEC-B607-D57527CD0CA2}"/>
-              </a:ext>
-            </a:extLst>
-          </p:cNvPr>
-          <p:cNvSpPr txBox="1"/>
-          <p:nvPr/>
-        </p:nvSpPr>
-        <p:spPr>
-          <a:xfrm>
-            <a:off x="8973979" y="3740670"/>
-            <a:ext cx="2005802" cy="276999"/>
-          </a:xfrm>
-          <a:prstGeom prst="rect">
-            <a:avLst/>
-          </a:prstGeom>
-          <a:noFill/>
-        </p:spPr>
-        <p:txBody>
-          <a:bodyPr wrap="square" rtlCol="0">
-            <a:spAutoFit/>
-          </a:bodyPr>
-          <a:lstStyle/>
-          <a:p>
-            <a:r>
-              <a:rPr lang="en-US" sz="1200" dirty="0"/>
-              <a:t>Phocidae</a:t>
-            </a:r>
-          </a:p>
-        </p:txBody>
-      </p:sp>
-      <p:sp>
-        <p:nvSpPr>
-          <p:cNvPr id="32" name="TextBox 31">
-            <a:extLst>
-              <a:ext uri="{FF2B5EF4-FFF2-40B4-BE49-F238E27FC236}">
-                <a16:creationId xmlns:a16="http://schemas.microsoft.com/office/drawing/2014/main" id="{623C60C4-8C4F-3E81-FF16-A275406BEBF4}"/>
-              </a:ext>
-            </a:extLst>
-          </p:cNvPr>
-          <p:cNvSpPr txBox="1"/>
-          <p:nvPr/>
-        </p:nvSpPr>
-        <p:spPr>
-          <a:xfrm>
-            <a:off x="8973979" y="4114021"/>
-            <a:ext cx="2005802" cy="276999"/>
-          </a:xfrm>
-          <a:prstGeom prst="rect">
-            <a:avLst/>
-          </a:prstGeom>
-          <a:noFill/>
-        </p:spPr>
-        <p:txBody>
-          <a:bodyPr wrap="square" rtlCol="0">
-            <a:spAutoFit/>
-          </a:bodyPr>
-          <a:lstStyle/>
-          <a:p>
-            <a:r>
-              <a:rPr lang="en-US" sz="1200" dirty="0" err="1"/>
-              <a:t>Mephitidae</a:t>
-            </a:r>
-            <a:r>
-              <a:rPr lang="en-US" sz="1200" dirty="0"/>
-              <a:t> and Procyonidae</a:t>
-            </a:r>
-          </a:p>
-        </p:txBody>
-      </p:sp>
-      <p:sp>
-        <p:nvSpPr>
-          <p:cNvPr id="33" name="TextBox 32">
-            <a:extLst>
-              <a:ext uri="{FF2B5EF4-FFF2-40B4-BE49-F238E27FC236}">
-                <a16:creationId xmlns:a16="http://schemas.microsoft.com/office/drawing/2014/main" id="{1F3E2946-FA6F-B4A4-14ED-BE63CA76DAF5}"/>
-              </a:ext>
-            </a:extLst>
-          </p:cNvPr>
-          <p:cNvSpPr txBox="1"/>
-          <p:nvPr/>
-        </p:nvSpPr>
-        <p:spPr>
-          <a:xfrm>
-            <a:off x="8973979" y="4807508"/>
-            <a:ext cx="2005802" cy="276999"/>
-          </a:xfrm>
-          <a:prstGeom prst="rect">
-            <a:avLst/>
-          </a:prstGeom>
-          <a:noFill/>
-        </p:spPr>
-        <p:txBody>
-          <a:bodyPr wrap="square" rtlCol="0">
-            <a:spAutoFit/>
-          </a:bodyPr>
-          <a:lstStyle/>
-          <a:p>
-            <a:r>
-              <a:rPr lang="en-US" sz="1200" dirty="0"/>
-              <a:t>Mustelidae</a:t>
-            </a:r>
-          </a:p>
-        </p:txBody>
-      </p:sp>
-      <p:sp>
-        <p:nvSpPr>
-          <p:cNvPr id="34" name="TextBox 33">
-            <a:extLst>
-              <a:ext uri="{FF2B5EF4-FFF2-40B4-BE49-F238E27FC236}">
-                <a16:creationId xmlns:a16="http://schemas.microsoft.com/office/drawing/2014/main" id="{D8A51737-4463-8AA5-932E-AEF6DBD3AAA2}"/>
-              </a:ext>
-            </a:extLst>
-          </p:cNvPr>
-          <p:cNvSpPr txBox="1"/>
-          <p:nvPr/>
-        </p:nvSpPr>
-        <p:spPr>
-          <a:xfrm>
-            <a:off x="8973979" y="5789184"/>
-            <a:ext cx="2005802" cy="276999"/>
-          </a:xfrm>
-          <a:prstGeom prst="rect">
-            <a:avLst/>
-          </a:prstGeom>
-          <a:noFill/>
-        </p:spPr>
-        <p:txBody>
-          <a:bodyPr wrap="square" rtlCol="0">
-            <a:spAutoFit/>
-          </a:bodyPr>
-          <a:lstStyle/>
-          <a:p>
-            <a:r>
-              <a:rPr lang="en-US" sz="1200" dirty="0"/>
-              <a:t>Ursidae</a:t>
-            </a:r>
-          </a:p>
-        </p:txBody>
-      </p:sp>
     </p:spTree>
     <p:extLst>
       <p:ext uri="{BB962C8B-B14F-4D97-AF65-F5344CB8AC3E}">
